--- a/slides/TDC 2024 IA Copilot Mermaid Outubro.pptx
+++ b/slides/TDC 2024 IA Copilot Mermaid Outubro.pptx
@@ -283,7 +283,7 @@
               <a:rPr lang="en-US" smtClean="0">
                 <a:latin typeface="Segoe UI" pitchFamily="34" charset="0"/>
               </a:rPr>
-              <a:t>10/24/2024 11:16 AM</a:t>
+              <a:t>10/25/2024 3:00 AM</a:t>
             </a:fld>
             <a:endParaRPr lang="en-US" dirty="0">
               <a:latin typeface="Segoe UI" pitchFamily="34" charset="0"/>
@@ -564,7 +564,7 @@
           <a:p>
             <a:fld id="{38EEC551-8CDA-4EB6-89BB-2A86C9F091C8}" type="datetime8">
               <a:rPr lang="en-US" smtClean="0"/>
-              <a:t>10/24/2024 10:26 AM</a:t>
+              <a:t>10/25/2024 3:00 AM</a:t>
             </a:fld>
             <a:endParaRPr lang="en-US" dirty="0"/>
           </a:p>
@@ -951,7 +951,7 @@
           <a:p>
             <a:fld id="{38EEC551-8CDA-4EB6-89BB-2A86C9F091C8}" type="datetime8">
               <a:rPr lang="en-US" smtClean="0"/>
-              <a:t>10/24/2024 10:26 AM</a:t>
+              <a:t>10/25/2024 3:00 AM</a:t>
             </a:fld>
             <a:endParaRPr lang="en-US" dirty="0"/>
           </a:p>
@@ -1136,7 +1136,7 @@
           <a:p>
             <a:fld id="{38EEC551-8CDA-4EB6-89BB-2A86C9F091C8}" type="datetime8">
               <a:rPr lang="en-US" smtClean="0"/>
-              <a:t>10/24/2024 10:26 AM</a:t>
+              <a:t>10/25/2024 3:00 AM</a:t>
             </a:fld>
             <a:endParaRPr lang="en-US" dirty="0"/>
           </a:p>
@@ -1414,7 +1414,7 @@
                 <a:tabLst/>
                 <a:defRPr/>
               </a:pPr>
-              <a:t>10/24/2024 10:26 AM</a:t>
+              <a:t>10/25/2024 3:00 AM</a:t>
             </a:fld>
             <a:endParaRPr kumimoji="0" lang="en-US" sz="1800" b="0" i="0" u="none" strike="noStrike" kern="0" cap="none" spc="0" normalizeH="0" baseline="0" noProof="0">
               <a:ln>
@@ -1698,7 +1698,7 @@
           <a:p>
             <a:fld id="{38EEC551-8CDA-4EB6-89BB-2A86C9F091C8}" type="datetime8">
               <a:rPr lang="en-US" smtClean="0"/>
-              <a:t>10/24/2024 10:26 AM</a:t>
+              <a:t>10/25/2024 3:00 AM</a:t>
             </a:fld>
             <a:endParaRPr lang="en-US" dirty="0"/>
           </a:p>
@@ -1982,7 +1982,7 @@
                 <a:tabLst/>
                 <a:defRPr/>
               </a:pPr>
-              <a:t>10/24/2024 10:26 AM</a:t>
+              <a:t>10/25/2024 3:00 AM</a:t>
             </a:fld>
             <a:endParaRPr kumimoji="0" lang="en-US" sz="1800" b="0" i="0" u="none" strike="noStrike" kern="0" cap="none" spc="0" normalizeH="0" baseline="0" noProof="0">
               <a:ln>
@@ -2436,7 +2436,7 @@
           <a:p>
             <a:fld id="{38EEC551-8CDA-4EB6-89BB-2A86C9F091C8}" type="datetime8">
               <a:rPr lang="en-US" smtClean="0"/>
-              <a:t>10/24/2024 2:42 PM</a:t>
+              <a:t>10/25/2024 3:00 AM</a:t>
             </a:fld>
             <a:endParaRPr lang="en-US" dirty="0"/>
           </a:p>
@@ -2627,7 +2627,7 @@
           <a:p>
             <a:fld id="{38EEC551-8CDA-4EB6-89BB-2A86C9F091C8}" type="datetime8">
               <a:rPr lang="en-US" smtClean="0"/>
-              <a:t>10/24/2024 10:26 AM</a:t>
+              <a:t>10/25/2024 3:00 AM</a:t>
             </a:fld>
             <a:endParaRPr lang="en-US" dirty="0"/>
           </a:p>
@@ -2812,7 +2812,7 @@
           <a:p>
             <a:fld id="{38EEC551-8CDA-4EB6-89BB-2A86C9F091C8}" type="datetime8">
               <a:rPr lang="en-US" smtClean="0"/>
-              <a:t>10/24/2024 10:26 AM</a:t>
+              <a:t>10/25/2024 3:00 AM</a:t>
             </a:fld>
             <a:endParaRPr lang="en-US" dirty="0"/>
           </a:p>
@@ -2997,7 +2997,7 @@
           <a:p>
             <a:fld id="{38EEC551-8CDA-4EB6-89BB-2A86C9F091C8}" type="datetime8">
               <a:rPr lang="en-US" smtClean="0"/>
-              <a:t>10/24/2024 10:26 AM</a:t>
+              <a:t>10/25/2024 3:00 AM</a:t>
             </a:fld>
             <a:endParaRPr lang="en-US" dirty="0"/>
           </a:p>
@@ -3182,7 +3182,7 @@
           <a:p>
             <a:fld id="{38EEC551-8CDA-4EB6-89BB-2A86C9F091C8}" type="datetime8">
               <a:rPr lang="en-US" smtClean="0"/>
-              <a:t>10/24/2024 10:26 AM</a:t>
+              <a:t>10/25/2024 3:00 AM</a:t>
             </a:fld>
             <a:endParaRPr lang="en-US" dirty="0"/>
           </a:p>
@@ -3403,7 +3403,7 @@
           <a:p>
             <a:fld id="{38EEC551-8CDA-4EB6-89BB-2A86C9F091C8}" type="datetime8">
               <a:rPr lang="en-US" smtClean="0"/>
-              <a:t>10/24/2024 2:13 PM</a:t>
+              <a:t>10/25/2024 3:00 AM</a:t>
             </a:fld>
             <a:endParaRPr lang="en-US" dirty="0"/>
           </a:p>
@@ -6002,7 +6002,7 @@
           <a:p>
             <a:fld id="{03BBCC4F-8F06-4D2A-BAEF-085061C7429D}" type="datetimeFigureOut">
               <a:rPr lang="pt-BR" smtClean="0"/>
-              <a:t>24/10/2024</a:t>
+              <a:t>25/10/2024</a:t>
             </a:fld>
             <a:endParaRPr lang="pt-BR"/>
           </a:p>
@@ -14085,7 +14085,7 @@
           <a:p>
             <a:fld id="{03BBCC4F-8F06-4D2A-BAEF-085061C7429D}" type="datetimeFigureOut">
               <a:rPr lang="pt-BR" smtClean="0"/>
-              <a:t>24/10/2024</a:t>
+              <a:t>25/10/2024</a:t>
             </a:fld>
             <a:endParaRPr lang="pt-BR"/>
           </a:p>
@@ -14210,7 +14210,7 @@
           <a:p>
             <a:fld id="{F65872E4-1EB3-4AD0-8A8C-9ACF3E188437}" type="datetimeFigureOut">
               <a:rPr lang="en-US" smtClean="0"/>
-              <a:t>10/24/2024</a:t>
+              <a:t>10/25/2024</a:t>
             </a:fld>
             <a:endParaRPr lang="en-US"/>
           </a:p>
@@ -26919,14 +26919,27 @@
             </a:br>
             <a:r>
               <a:rPr lang="pt-BR" sz="4400" b="1" dirty="0"/>
-              <a:t>Simplificando a geração de documentações</a:t>
-            </a:r>
-            <a:br>
+              <a:t>Utilizando GitHub </a:t>
+            </a:r>
+            <a:r>
+              <a:rPr lang="pt-BR" sz="4400" b="1" dirty="0" err="1"/>
+              <a:t>Copilot</a:t>
+            </a:r>
+            <a:r>
               <a:rPr lang="pt-BR" sz="4400" b="1" dirty="0"/>
-            </a:br>
+              <a:t> + </a:t>
+            </a:r>
+            <a:r>
+              <a:rPr lang="pt-BR" sz="4400" b="1" dirty="0" err="1"/>
+              <a:t>Mermaid</a:t>
+            </a:r>
             <a:r>
               <a:rPr lang="pt-BR" sz="4400" b="1" dirty="0"/>
-              <a:t>com Inteligência Artificial</a:t>
+              <a:t> para </a:t>
+            </a:r>
+            <a:r>
+              <a:rPr lang="pt-BR" sz="4400" b="1"/>
+              <a:t>documentar soluções</a:t>
             </a:r>
             <a:endParaRPr lang="pt-BR" sz="3200" dirty="0"/>
           </a:p>
